--- a/Documentation/Project_Data_Understanding.pptx
+++ b/Documentation/Project_Data_Understanding.pptx
@@ -22,14 +22,14 @@
   <p:notesSz cx="6858000" cy="9144000"/>
   <p:embeddedFontLst>
     <p:embeddedFont>
-      <p:font typeface="Lucida Sans" panose="020B0602030504020204" pitchFamily="34" charset="77"/>
+      <p:font typeface="Lucida Sans" panose="020B0602030504020204" pitchFamily="34" charset="0"/>
       <p:regular r:id="rId12"/>
       <p:bold r:id="rId13"/>
       <p:italic r:id="rId14"/>
       <p:boldItalic r:id="rId15"/>
     </p:embeddedFont>
     <p:embeddedFont>
-      <p:font typeface="Merriweather Sans" pitchFamily="2" charset="77"/>
+      <p:font typeface="Merriweather Sans" panose="020B0604020202020204" charset="0"/>
       <p:regular r:id="rId16"/>
       <p:bold r:id="rId17"/>
       <p:italic r:id="rId18"/>
@@ -320,7 +320,7 @@
       </p15:notesGuideLst>
     </p:ext>
     <p:ext uri="http://customooxmlschemas.google.com/">
-      <go:slidesCustomData xmlns:go="http://customooxmlschemas.google.com/" xmlns:p15="http://schemas.microsoft.com/office/powerpoint/2012/main" xmlns:p14="http://schemas.microsoft.com/office/powerpoint/2010/main" xmlns:com="http://schemas.openxmlformats.org/drawingml/2006/compatibility" xmlns:pvml="urn:schemas-microsoft-com:office:powerpoint" xmlns:v="urn:schemas-microsoft-com:vml" xmlns:o="urn:schemas-microsoft-com:office:office" xmlns:dgm="http://schemas.openxmlformats.org/drawingml/2006/diagram" xmlns:c="http://schemas.openxmlformats.org/drawingml/2006/chart" xmlns:mv="urn:schemas-microsoft-com:mac:vml" xmlns:mc="http://schemas.openxmlformats.org/markup-compatibility/2006" xmlns="" r:id="rId50" roundtripDataSignature="AMtx7miSF9iLCoklTq1sPU+b1d8gowdOnA=="/>
+      <go:slidesCustomData xmlns="" xmlns:mc="http://schemas.openxmlformats.org/markup-compatibility/2006" xmlns:mv="urn:schemas-microsoft-com:mac:vml" xmlns:c="http://schemas.openxmlformats.org/drawingml/2006/chart" xmlns:dgm="http://schemas.openxmlformats.org/drawingml/2006/diagram" xmlns:o="urn:schemas-microsoft-com:office:office" xmlns:v="urn:schemas-microsoft-com:vml" xmlns:pvml="urn:schemas-microsoft-com:office:powerpoint" xmlns:com="http://schemas.openxmlformats.org/drawingml/2006/compatibility" xmlns:p14="http://schemas.microsoft.com/office/powerpoint/2010/main" xmlns:p15="http://schemas.microsoft.com/office/powerpoint/2012/main" xmlns:go="http://customooxmlschemas.google.com/" r:id="rId50" roundtripDataSignature="AMtx7miSF9iLCoklTq1sPU+b1d8gowdOnA=="/>
     </p:ext>
   </p:extLst>
 </p:presentation>
@@ -12858,8 +12858,8 @@
         </p:nvSpPr>
         <p:spPr>
           <a:xfrm>
-            <a:off x="2" y="1401288"/>
-            <a:ext cx="8537574" cy="3705102"/>
+            <a:off x="171450" y="1401287"/>
+            <a:ext cx="8366126" cy="4399905"/>
           </a:xfrm>
         </p:spPr>
         <p:txBody>

--- a/Documentation/Project_Data_Understanding.pptx
+++ b/Documentation/Project_Data_Understanding.pptx
@@ -320,7 +320,7 @@
       </p15:notesGuideLst>
     </p:ext>
     <p:ext uri="http://customooxmlschemas.google.com/">
-      <go:slidesCustomData xmlns="" xmlns:mc="http://schemas.openxmlformats.org/markup-compatibility/2006" xmlns:mv="urn:schemas-microsoft-com:mac:vml" xmlns:c="http://schemas.openxmlformats.org/drawingml/2006/chart" xmlns:dgm="http://schemas.openxmlformats.org/drawingml/2006/diagram" xmlns:o="urn:schemas-microsoft-com:office:office" xmlns:v="urn:schemas-microsoft-com:vml" xmlns:pvml="urn:schemas-microsoft-com:office:powerpoint" xmlns:com="http://schemas.openxmlformats.org/drawingml/2006/compatibility" xmlns:p14="http://schemas.microsoft.com/office/powerpoint/2010/main" xmlns:p15="http://schemas.microsoft.com/office/powerpoint/2012/main" xmlns:go="http://customooxmlschemas.google.com/" r:id="rId50" roundtripDataSignature="AMtx7miSF9iLCoklTq1sPU+b1d8gowdOnA=="/>
+      <go:slidesCustomData xmlns:go="http://customooxmlschemas.google.com/" xmlns:p15="http://schemas.microsoft.com/office/powerpoint/2012/main" xmlns:p14="http://schemas.microsoft.com/office/powerpoint/2010/main" xmlns:com="http://schemas.openxmlformats.org/drawingml/2006/compatibility" xmlns:pvml="urn:schemas-microsoft-com:office:powerpoint" xmlns:v="urn:schemas-microsoft-com:vml" xmlns:o="urn:schemas-microsoft-com:office:office" xmlns:dgm="http://schemas.openxmlformats.org/drawingml/2006/diagram" xmlns:c="http://schemas.openxmlformats.org/drawingml/2006/chart" xmlns:mv="urn:schemas-microsoft-com:mac:vml" xmlns:mc="http://schemas.openxmlformats.org/markup-compatibility/2006" xmlns="" r:id="rId50" roundtripDataSignature="AMtx7miSF9iLCoklTq1sPU+b1d8gowdOnA=="/>
     </p:ext>
   </p:extLst>
 </p:presentation>
@@ -11459,7 +11459,15 @@
             </a:pPr>
             <a:r>
               <a:rPr lang="en-US" sz="1400" dirty="0"/>
-              <a:t>1. Person (used in all channels, only nodes with a spatial location assigned)</a:t>
+              <a:t>1. </a:t>
+            </a:r>
+            <a:r>
+              <a:rPr lang="en-US" sz="1400" dirty="0">
+                <a:solidFill>
+                  <a:srgbClr val="FF0000"/>
+                </a:solidFill>
+              </a:rPr>
+              <a:t>Person (used in all channels, only nodes with a spatial location assigned)</a:t>
             </a:r>
           </a:p>
           <a:p>
@@ -11468,14 +11476,30 @@
             </a:pPr>
             <a:r>
               <a:rPr lang="en-US" sz="1400" dirty="0"/>
-              <a:t>2. Product category (for the procurement channel, </a:t>
+              <a:t>2. </a:t>
             </a:r>
             <a:r>
-              <a:rPr lang="en-US" sz="1400" dirty="0" err="1"/>
+              <a:rPr lang="en-US" sz="1400" dirty="0">
+                <a:solidFill>
+                  <a:srgbClr val="FF0000"/>
+                </a:solidFill>
+              </a:rPr>
+              <a:t>Product category (for the procurement channel, </a:t>
+            </a:r>
+            <a:r>
+              <a:rPr lang="en-US" sz="1400" dirty="0" err="1">
+                <a:solidFill>
+                  <a:srgbClr val="FF0000"/>
+                </a:solidFill>
+              </a:rPr>
               <a:t>eType</a:t>
             </a:r>
             <a:r>
-              <a:rPr lang="en-US" sz="1400" dirty="0"/>
+              <a:rPr lang="en-US" sz="1400" dirty="0">
+                <a:solidFill>
+                  <a:srgbClr val="FF0000"/>
+                </a:solidFill>
+              </a:rPr>
               <a:t> = 3)</a:t>
             </a:r>
           </a:p>
@@ -11538,19 +11562,35 @@
           </a:p>
           <a:p>
             <a:r>
-              <a:rPr lang="en-US" dirty="0"/>
+              <a:rPr lang="en-US" dirty="0">
+                <a:solidFill>
+                  <a:srgbClr val="FF0000"/>
+                </a:solidFill>
+              </a:rPr>
               <a:t>7 Edge type (</a:t>
             </a:r>
             <a:r>
-              <a:rPr lang="en-US" dirty="0" err="1"/>
+              <a:rPr lang="en-US" dirty="0" err="1">
+                <a:solidFill>
+                  <a:srgbClr val="FF0000"/>
+                </a:solidFill>
+              </a:rPr>
               <a:t>eType</a:t>
             </a:r>
             <a:r>
-              <a:rPr lang="en-US" dirty="0"/>
+              <a:rPr lang="en-US" dirty="0">
+                <a:solidFill>
+                  <a:srgbClr val="FF0000"/>
+                </a:solidFill>
+              </a:rPr>
               <a:t>): </a:t>
             </a:r>
             <a:r>
-              <a:rPr lang="en-US" sz="1600" dirty="0"/>
+              <a:rPr lang="en-US" sz="1600" dirty="0">
+                <a:solidFill>
+                  <a:srgbClr val="FF0000"/>
+                </a:solidFill>
+              </a:rPr>
               <a:t>Edges always go from node type 1 to some other node type.</a:t>
             </a:r>
           </a:p>

--- a/Documentation/Project_Data_Understanding.pptx
+++ b/Documentation/Project_Data_Understanding.pptx
@@ -11794,7 +11794,11 @@
           <a:lstStyle/>
           <a:p>
             <a:r>
-              <a:rPr lang="en-US" dirty="0"/>
+              <a:rPr lang="en-US" dirty="0">
+                <a:solidFill>
+                  <a:srgbClr val="FF0000"/>
+                </a:solidFill>
+              </a:rPr>
               <a:t>There are 6 different channels of data, all of which are represented as a transaction between two nodes. </a:t>
             </a:r>
           </a:p>
@@ -11844,7 +11848,19 @@
             </a:pPr>
             <a:r>
               <a:rPr lang="en-US" sz="1400" dirty="0"/>
-              <a:t>    Some records have location information, some don’t.</a:t>
+              <a:t>    Some records have </a:t>
+            </a:r>
+            <a:r>
+              <a:rPr lang="en-US" sz="1400" dirty="0">
+                <a:solidFill>
+                  <a:srgbClr val="FF0000"/>
+                </a:solidFill>
+              </a:rPr>
+              <a:t>location information</a:t>
+            </a:r>
+            <a:r>
+              <a:rPr lang="en-US" sz="1400" dirty="0"/>
+              <a:t>, some don’t.</a:t>
             </a:r>
           </a:p>
           <a:p>
@@ -11890,7 +11906,15 @@
             </a:pPr>
             <a:r>
               <a:rPr lang="en-US" sz="1400" dirty="0"/>
-              <a:t>    Source: Person ID, Target: item.</a:t>
+              <a:t>    </a:t>
+            </a:r>
+            <a:r>
+              <a:rPr lang="en-US" sz="1400" dirty="0">
+                <a:solidFill>
+                  <a:srgbClr val="FF0000"/>
+                </a:solidFill>
+              </a:rPr>
+              <a:t>Source: Person ID, Target: item.</a:t>
             </a:r>
           </a:p>
           <a:p>
@@ -12209,6 +12233,11 @@
           <a:prstGeom prst="rect">
             <a:avLst/>
           </a:prstGeom>
+          <a:ln w="76200">
+            <a:solidFill>
+              <a:srgbClr val="FF0000"/>
+            </a:solidFill>
+          </a:ln>
         </p:spPr>
       </p:pic>
     </p:spTree>
@@ -12291,10 +12320,18 @@
               <a:t> 5): represent the spending characteristics of each person in up to 30 categories, which are listed in the file </a:t>
             </a:r>
             <a:r>
-              <a:rPr lang="en-US" sz="1400" dirty="0" err="1"/>
+              <a:rPr lang="en-US" sz="1400" dirty="0" err="1">
+                <a:solidFill>
+                  <a:srgbClr val="FF0000"/>
+                </a:solidFill>
+              </a:rPr>
               <a:t>DemographicCategories.csv</a:t>
             </a:r>
-            <a:endParaRPr lang="en-US" sz="1400" dirty="0"/>
+            <a:endParaRPr lang="en-US" sz="1400" dirty="0">
+              <a:solidFill>
+                <a:srgbClr val="FF0000"/>
+              </a:solidFill>
+            </a:endParaRPr>
           </a:p>
           <a:p>
             <a:pPr marL="57150" indent="0">
@@ -12320,7 +12357,15 @@
             </a:pPr>
             <a:r>
               <a:rPr lang="en-US" sz="1400" dirty="0"/>
-              <a:t>    Time for all records in this channel is 31536000</a:t>
+              <a:t>    </a:t>
+            </a:r>
+            <a:r>
+              <a:rPr lang="en-US" sz="1400" dirty="0">
+                <a:solidFill>
+                  <a:srgbClr val="FF0000"/>
+                </a:solidFill>
+              </a:rPr>
+              <a:t>Time for all records in this channel is 31536000 -&gt; one year</a:t>
             </a:r>
           </a:p>
           <a:p>
@@ -12329,7 +12374,19 @@
             </a:pPr>
             <a:r>
               <a:rPr lang="en-US" sz="1400" dirty="0"/>
-              <a:t>            The weight channel shows how much is spent (or received) in a given category.</a:t>
+              <a:t>            The weight channel shows </a:t>
+            </a:r>
+            <a:r>
+              <a:rPr lang="en-US" sz="1400" dirty="0">
+                <a:solidFill>
+                  <a:srgbClr val="FF0000"/>
+                </a:solidFill>
+              </a:rPr>
+              <a:t>how much </a:t>
+            </a:r>
+            <a:r>
+              <a:rPr lang="en-US" sz="1400" dirty="0"/>
+              <a:t>is spent (or received) in a given category.</a:t>
             </a:r>
           </a:p>
           <a:p>
@@ -12393,7 +12450,15 @@
             </a:pPr>
             <a:r>
               <a:rPr lang="en-US" sz="1400" dirty="0"/>
-              <a:t>    Weight: length of the trip in days.</a:t>
+              <a:t>    </a:t>
+            </a:r>
+            <a:r>
+              <a:rPr lang="en-US" sz="1400" dirty="0">
+                <a:solidFill>
+                  <a:srgbClr val="FF0000"/>
+                </a:solidFill>
+              </a:rPr>
+              <a:t>Weight: length of the trip in days. ???Negative values???</a:t>
             </a:r>
           </a:p>
           <a:p>
@@ -12436,9 +12501,20 @@
             </a:pPr>
             <a:r>
               <a:rPr lang="en-US" sz="1400" dirty="0"/>
-              <a:t>    More specific latitude and longitude values are also provided.</a:t>
+              <a:t>    </a:t>
+            </a:r>
+            <a:r>
+              <a:rPr lang="en-US" sz="1400" dirty="0">
+                <a:solidFill>
+                  <a:srgbClr val="FF0000"/>
+                </a:solidFill>
+              </a:rPr>
+              <a:t>More specific latitude and longitude values are also provided.</a:t>
             </a:r>
             <a:endParaRPr lang="en-US" sz="1400" dirty="0">
+              <a:solidFill>
+                <a:srgbClr val="FF0000"/>
+              </a:solidFill>
               <a:effectLst/>
             </a:endParaRPr>
           </a:p>
@@ -12542,36 +12618,6 @@
       </p:grpSpPr>
       <p:sp>
         <p:nvSpPr>
-          <p:cNvPr id="2" name="Text Placeholder 1">
-            <a:extLst>
-              <a:ext uri="{FF2B5EF4-FFF2-40B4-BE49-F238E27FC236}">
-                <a16:creationId xmlns:a16="http://schemas.microsoft.com/office/drawing/2014/main" id="{649A8C64-AA31-1A4E-A508-DF9136501A1C}"/>
-              </a:ext>
-            </a:extLst>
-          </p:cNvPr>
-          <p:cNvSpPr>
-            <a:spLocks noGrp="1"/>
-          </p:cNvSpPr>
-          <p:nvPr>
-            <p:ph type="body" idx="1"/>
-          </p:nvPr>
-        </p:nvSpPr>
-        <p:spPr>
-          <a:xfrm>
-            <a:off x="970155" y="1606550"/>
-            <a:ext cx="7567420" cy="3644900"/>
-          </a:xfrm>
-        </p:spPr>
-        <p:txBody>
-          <a:bodyPr/>
-          <a:lstStyle/>
-          <a:p>
-            <a:endParaRPr lang="en-US" dirty="0"/>
-          </a:p>
-        </p:txBody>
-      </p:sp>
-      <p:sp>
-        <p:nvSpPr>
           <p:cNvPr id="3" name="Title 2">
             <a:extLst>
               <a:ext uri="{FF2B5EF4-FFF2-40B4-BE49-F238E27FC236}">
@@ -12664,8 +12710,53 @@
           <a:prstGeom prst="rect">
             <a:avLst/>
           </a:prstGeom>
+          <a:ln w="76200">
+            <a:solidFill>
+              <a:srgbClr val="FF0000"/>
+            </a:solidFill>
+          </a:ln>
         </p:spPr>
       </p:pic>
+      <p:sp>
+        <p:nvSpPr>
+          <p:cNvPr id="2" name="Text Placeholder 1">
+            <a:extLst>
+              <a:ext uri="{FF2B5EF4-FFF2-40B4-BE49-F238E27FC236}">
+                <a16:creationId xmlns:a16="http://schemas.microsoft.com/office/drawing/2014/main" id="{649A8C64-AA31-1A4E-A508-DF9136501A1C}"/>
+              </a:ext>
+            </a:extLst>
+          </p:cNvPr>
+          <p:cNvSpPr>
+            <a:spLocks noGrp="1"/>
+          </p:cNvSpPr>
+          <p:nvPr>
+            <p:ph type="body" idx="1"/>
+          </p:nvPr>
+        </p:nvSpPr>
+        <p:spPr>
+          <a:xfrm>
+            <a:off x="970155" y="1606550"/>
+            <a:ext cx="7567420" cy="3644900"/>
+          </a:xfrm>
+        </p:spPr>
+        <p:txBody>
+          <a:bodyPr/>
+          <a:lstStyle/>
+          <a:p>
+            <a:pPr marL="57150" indent="0">
+              <a:buNone/>
+            </a:pPr>
+            <a:r>
+              <a:rPr lang="en-US" sz="3000" dirty="0">
+                <a:solidFill>
+                  <a:srgbClr val="FF0000"/>
+                </a:solidFill>
+              </a:rPr>
+              <a:t>How are these node types are connected to the rest?!!</a:t>
+            </a:r>
+          </a:p>
+        </p:txBody>
+      </p:sp>
     </p:spTree>
     <p:extLst>
       <p:ext uri="{BB962C8B-B14F-4D97-AF65-F5344CB8AC3E}">

--- a/Documentation/Project_Data_Understanding.pptx
+++ b/Documentation/Project_Data_Understanding.pptx
@@ -12823,7 +12823,27 @@
             </a:r>
             <a:r>
               <a:rPr lang="en-US" sz="1400" dirty="0"/>
-              <a:t>). There are 123,892,863 records in this file. The uncompressed size is 6.2 GB.</a:t>
+              <a:t>). There are 123,892,863 </a:t>
+            </a:r>
+            <a:r>
+              <a:rPr lang="en-US" sz="1400" dirty="0">
+                <a:solidFill>
+                  <a:srgbClr val="FF0000"/>
+                </a:solidFill>
+              </a:rPr>
+              <a:t>records</a:t>
+            </a:r>
+            <a:r>
+              <a:rPr lang="en-US" sz="1400" dirty="0"/>
+              <a:t> in this file. </a:t>
+            </a:r>
+            <a:r>
+              <a:rPr lang="en-US" sz="1400" dirty="0">
+                <a:solidFill>
+                  <a:srgbClr val="FF0000"/>
+                </a:solidFill>
+              </a:rPr>
+              <a:t>The uncompressed size is 6.2 GB.</a:t>
             </a:r>
           </a:p>
           <a:p>
@@ -12939,6 +12959,11 @@
           <a:prstGeom prst="rect">
             <a:avLst/>
           </a:prstGeom>
+          <a:ln w="76200">
+            <a:solidFill>
+              <a:srgbClr val="FF0000"/>
+            </a:solidFill>
+          </a:ln>
         </p:spPr>
       </p:pic>
     </p:spTree>
@@ -12998,41 +13023,81 @@
           <a:lstStyle/>
           <a:p>
             <a:r>
+              <a:rPr lang="en-US" sz="1400" dirty="0">
+                <a:solidFill>
+                  <a:srgbClr val="FF0000"/>
+                </a:solidFill>
+              </a:rPr>
+              <a:t>Files have been provided for you to easily identify the node type of any unique identifier in the data. See CGCS-</a:t>
+            </a:r>
+            <a:r>
+              <a:rPr lang="en-US" sz="1400" dirty="0" err="1">
+                <a:solidFill>
+                  <a:srgbClr val="FF0000"/>
+                </a:solidFill>
+              </a:rPr>
+              <a:t>GraphData</a:t>
+            </a:r>
+            <a:r>
+              <a:rPr lang="en-US" sz="1400" dirty="0">
+                <a:solidFill>
+                  <a:srgbClr val="FF0000"/>
+                </a:solidFill>
+              </a:rPr>
+              <a:t>-</a:t>
+            </a:r>
+            <a:r>
+              <a:rPr lang="en-US" sz="1400" dirty="0" err="1">
+                <a:solidFill>
+                  <a:srgbClr val="FF0000"/>
+                </a:solidFill>
+              </a:rPr>
+              <a:t>NodeTypes.csv</a:t>
+            </a:r>
+            <a:r>
+              <a:rPr lang="en-US" sz="1400" dirty="0">
+                <a:solidFill>
+                  <a:srgbClr val="FF0000"/>
+                </a:solidFill>
+              </a:rPr>
+              <a:t> for node types in the large graph and subgraphs that have been extracted from it. See CGCS-Template-</a:t>
+            </a:r>
+            <a:r>
+              <a:rPr lang="en-US" sz="1400" dirty="0" err="1">
+                <a:solidFill>
+                  <a:srgbClr val="FF0000"/>
+                </a:solidFill>
+              </a:rPr>
+              <a:t>NodeTypes.csv</a:t>
+            </a:r>
+            <a:r>
+              <a:rPr lang="en-US" sz="1400" dirty="0">
+                <a:solidFill>
+                  <a:srgbClr val="FF0000"/>
+                </a:solidFill>
+              </a:rPr>
+              <a:t> for node types in the template. </a:t>
+            </a:r>
+          </a:p>
+          <a:p>
+            <a:endParaRPr lang="en-US" sz="1400" dirty="0"/>
+          </a:p>
+          <a:p>
+            <a:r>
               <a:rPr lang="en-US" sz="1400" dirty="0"/>
-              <a:t>Files have been provided for you to easily identify the node type of any unique identifier in the data. See CGCS-</a:t>
-            </a:r>
-            <a:r>
-              <a:rPr lang="en-US" sz="1400" dirty="0" err="1"/>
-              <a:t>GraphData</a:t>
+              <a:t>Candidate Subgraphs: Five subgraphs are provided for </a:t>
+            </a:r>
+            <a:r>
+              <a:rPr lang="en-US" sz="1400" dirty="0">
+                <a:solidFill>
+                  <a:srgbClr val="FF0000"/>
+                </a:solidFill>
+              </a:rPr>
+              <a:t>comparison</a:t>
             </a:r>
             <a:r>
               <a:rPr lang="en-US" sz="1400" dirty="0"/>
-              <a:t>-</a:t>
-            </a:r>
-            <a:r>
-              <a:rPr lang="en-US" sz="1400" dirty="0" err="1"/>
-              <a:t>NodeTypes.csv</a:t>
-            </a:r>
-            <a:r>
-              <a:rPr lang="en-US" sz="1400" dirty="0"/>
-              <a:t> for node types in the large graph and subgraphs that have been extracted from it. See CGCS-Template-</a:t>
-            </a:r>
-            <a:r>
-              <a:rPr lang="en-US" sz="1400" dirty="0" err="1"/>
-              <a:t>NodeTypes.csv</a:t>
-            </a:r>
-            <a:r>
-              <a:rPr lang="en-US" sz="1400" dirty="0"/>
-              <a:t> for node types in the template. </a:t>
-            </a:r>
-          </a:p>
-          <a:p>
-            <a:endParaRPr lang="en-US" sz="1400" dirty="0"/>
-          </a:p>
-          <a:p>
-            <a:r>
-              <a:rPr lang="en-US" sz="1400" dirty="0"/>
-              <a:t>Candidate Subgraphs: Five subgraphs are provided for comparison to the template in the Question 1. They are: Q1-Graph1.csv </a:t>
+              <a:t> to the template in the Question 1. They are: Q1-Graph1.csv </a:t>
             </a:r>
           </a:p>
           <a:p>
@@ -13077,7 +13142,19 @@
           <a:p>
             <a:r>
               <a:rPr lang="en-US" sz="1400" dirty="0"/>
-              <a:t>Seed Graphs: Three seed graphs are supplied as starting points for your search in question 2. The seed files are: Q2-Seed1.csv  </a:t>
+              <a:t>Seed Graphs: Three seed graphs are supplied </a:t>
+            </a:r>
+            <a:r>
+              <a:rPr lang="en-US" sz="1400" dirty="0">
+                <a:solidFill>
+                  <a:srgbClr val="FF0000"/>
+                </a:solidFill>
+              </a:rPr>
+              <a:t>as starting points </a:t>
+            </a:r>
+            <a:r>
+              <a:rPr lang="en-US" sz="1400" dirty="0"/>
+              <a:t>for your search in question 2. The seed files are: Q2-Seed1.csv  </a:t>
             </a:r>
           </a:p>
           <a:p>

--- a/Documentation/Project_Data_Understanding.pptx
+++ b/Documentation/Project_Data_Understanding.pptx
@@ -11,8 +11,8 @@
     <p:sldId id="256" r:id="rId2"/>
     <p:sldId id="290" r:id="rId3"/>
     <p:sldId id="291" r:id="rId4"/>
-    <p:sldId id="293" r:id="rId5"/>
-    <p:sldId id="292" r:id="rId6"/>
+    <p:sldId id="292" r:id="rId5"/>
+    <p:sldId id="293" r:id="rId6"/>
     <p:sldId id="294" r:id="rId7"/>
     <p:sldId id="295" r:id="rId8"/>
     <p:sldId id="296" r:id="rId9"/>
@@ -1991,7 +1991,7 @@
                 <a:cs typeface="Lucida Sans"/>
                 <a:sym typeface="Lucida Sans"/>
               </a:rPr>
-              <a:t>5</a:t>
+              <a:t>4</a:t>
             </a:fld>
             <a:endParaRPr lang="en-US" sz="1200" b="0" i="0" u="none" strike="noStrike" cap="none">
               <a:solidFill>
@@ -12114,6 +12114,352 @@
           <p:cNvPr id="2" name="Text Placeholder 1">
             <a:extLst>
               <a:ext uri="{FF2B5EF4-FFF2-40B4-BE49-F238E27FC236}">
+                <a16:creationId xmlns:a16="http://schemas.microsoft.com/office/drawing/2014/main" id="{46C6AB45-77D5-AB4E-8183-4C6EFDD152A4}"/>
+              </a:ext>
+            </a:extLst>
+          </p:cNvPr>
+          <p:cNvSpPr>
+            <a:spLocks noGrp="1"/>
+          </p:cNvSpPr>
+          <p:nvPr>
+            <p:ph type="body" idx="1"/>
+          </p:nvPr>
+        </p:nvSpPr>
+        <p:spPr>
+          <a:xfrm>
+            <a:off x="2" y="1432367"/>
+            <a:ext cx="8912503" cy="3644900"/>
+          </a:xfrm>
+        </p:spPr>
+        <p:txBody>
+          <a:bodyPr/>
+          <a:lstStyle/>
+          <a:p>
+            <a:pPr marL="514350" lvl="1" indent="0">
+              <a:buNone/>
+            </a:pPr>
+            <a:r>
+              <a:rPr lang="en-US" sz="1400" dirty="0"/>
+              <a:t>4. </a:t>
+            </a:r>
+            <a:r>
+              <a:rPr lang="en-US" sz="1400" b="1" dirty="0"/>
+              <a:t>Demographics channel </a:t>
+            </a:r>
+            <a:r>
+              <a:rPr lang="en-US" sz="1400" dirty="0"/>
+              <a:t>(</a:t>
+            </a:r>
+            <a:r>
+              <a:rPr lang="en-US" sz="1400" dirty="0" err="1"/>
+              <a:t>eType</a:t>
+            </a:r>
+            <a:r>
+              <a:rPr lang="en-US" sz="1400" dirty="0"/>
+              <a:t> 5): represent the spending characteristics of each person in up to 30 categories, which are listed in the file </a:t>
+            </a:r>
+            <a:r>
+              <a:rPr lang="en-US" sz="1400" dirty="0" err="1">
+                <a:solidFill>
+                  <a:srgbClr val="FF0000"/>
+                </a:solidFill>
+              </a:rPr>
+              <a:t>DemographicCategories.csv</a:t>
+            </a:r>
+            <a:endParaRPr lang="en-US" sz="1400" dirty="0">
+              <a:solidFill>
+                <a:srgbClr val="FF0000"/>
+              </a:solidFill>
+            </a:endParaRPr>
+          </a:p>
+          <a:p>
+            <a:pPr marL="57150" indent="0">
+              <a:buNone/>
+            </a:pPr>
+            <a:r>
+              <a:rPr lang="en-US" sz="1400" dirty="0"/>
+              <a:t>            Expenses: Source is person ID, Target column lists the money is spent in a category </a:t>
+            </a:r>
+          </a:p>
+          <a:p>
+            <a:pPr marL="514350" lvl="1" indent="0">
+              <a:buNone/>
+            </a:pPr>
+            <a:r>
+              <a:rPr lang="en-US" sz="1400" dirty="0"/>
+              <a:t>    Income: Source column lists the money is received in a category, Target is person ID</a:t>
+            </a:r>
+          </a:p>
+          <a:p>
+            <a:pPr marL="514350" lvl="1" indent="0">
+              <a:buNone/>
+            </a:pPr>
+            <a:r>
+              <a:rPr lang="en-US" sz="1400" dirty="0"/>
+              <a:t>    </a:t>
+            </a:r>
+            <a:r>
+              <a:rPr lang="en-US" sz="1400" dirty="0">
+                <a:solidFill>
+                  <a:srgbClr val="FF0000"/>
+                </a:solidFill>
+              </a:rPr>
+              <a:t>Time for all records in this channel is 31536000 -&gt; one year</a:t>
+            </a:r>
+          </a:p>
+          <a:p>
+            <a:pPr marL="57150" indent="0">
+              <a:buNone/>
+            </a:pPr>
+            <a:r>
+              <a:rPr lang="en-US" sz="1400" dirty="0"/>
+              <a:t>            The weight channel shows </a:t>
+            </a:r>
+            <a:r>
+              <a:rPr lang="en-US" sz="1400" dirty="0">
+                <a:solidFill>
+                  <a:srgbClr val="FF0000"/>
+                </a:solidFill>
+              </a:rPr>
+              <a:t>how much </a:t>
+            </a:r>
+            <a:r>
+              <a:rPr lang="en-US" sz="1400" dirty="0"/>
+              <a:t>is spent (or received) in a given category.</a:t>
+            </a:r>
+          </a:p>
+          <a:p>
+            <a:pPr marL="57150" indent="0">
+              <a:buNone/>
+            </a:pPr>
+            <a:r>
+              <a:rPr lang="en-US" sz="1400" dirty="0"/>
+              <a:t>            Demographic records do not have location information.</a:t>
+            </a:r>
+          </a:p>
+          <a:p>
+            <a:pPr marL="57150" indent="0">
+              <a:buNone/>
+            </a:pPr>
+            <a:endParaRPr lang="en-US" sz="1400" dirty="0"/>
+          </a:p>
+          <a:p>
+            <a:pPr marL="57150" indent="0">
+              <a:buNone/>
+            </a:pPr>
+            <a:endParaRPr lang="en-US" sz="1400" dirty="0"/>
+          </a:p>
+          <a:p>
+            <a:pPr marL="514350" lvl="1" indent="0">
+              <a:buNone/>
+            </a:pPr>
+            <a:r>
+              <a:rPr lang="en-US" sz="1400" dirty="0"/>
+              <a:t>5. </a:t>
+            </a:r>
+            <a:r>
+              <a:rPr lang="en-US" sz="1400" b="1" dirty="0"/>
+              <a:t>Travel channel </a:t>
+            </a:r>
+            <a:r>
+              <a:rPr lang="en-US" sz="1400" dirty="0"/>
+              <a:t>(</a:t>
+            </a:r>
+            <a:r>
+              <a:rPr lang="en-US" sz="1400" dirty="0" err="1"/>
+              <a:t>eType</a:t>
+            </a:r>
+            <a:r>
+              <a:rPr lang="en-US" sz="1400" dirty="0"/>
+              <a:t> 6): connects people (source column) with locations (target).</a:t>
+            </a:r>
+          </a:p>
+          <a:p>
+            <a:pPr marL="514350" lvl="1" indent="0">
+              <a:buNone/>
+            </a:pPr>
+            <a:r>
+              <a:rPr lang="en-US" sz="1400" dirty="0"/>
+              <a:t>    Time: the start of a trip.</a:t>
+            </a:r>
+          </a:p>
+          <a:p>
+            <a:pPr marL="514350" lvl="1" indent="0">
+              <a:buNone/>
+            </a:pPr>
+            <a:r>
+              <a:rPr lang="en-US" sz="1400" dirty="0"/>
+              <a:t>    </a:t>
+            </a:r>
+            <a:r>
+              <a:rPr lang="en-US" sz="1400" dirty="0">
+                <a:solidFill>
+                  <a:srgbClr val="FF0000"/>
+                </a:solidFill>
+              </a:rPr>
+              <a:t>Weight: length of the trip in days. ???Negative values???</a:t>
+            </a:r>
+          </a:p>
+          <a:p>
+            <a:pPr marL="514350" lvl="1" indent="0">
+              <a:buNone/>
+            </a:pPr>
+            <a:r>
+              <a:rPr lang="en-US" sz="1400" dirty="0"/>
+              <a:t>    All location columns should have data for each record.</a:t>
+            </a:r>
+          </a:p>
+          <a:p>
+            <a:pPr marL="514350" lvl="1" indent="0">
+              <a:buNone/>
+            </a:pPr>
+            <a:r>
+              <a:rPr lang="en-US" sz="1400" dirty="0"/>
+              <a:t>    The </a:t>
+            </a:r>
+            <a:r>
+              <a:rPr lang="en-US" sz="1400" dirty="0" err="1"/>
+              <a:t>SourceLocation</a:t>
+            </a:r>
+            <a:r>
+              <a:rPr lang="en-US" sz="1400" dirty="0"/>
+              <a:t> and </a:t>
+            </a:r>
+            <a:r>
+              <a:rPr lang="en-US" sz="1400" dirty="0" err="1"/>
+              <a:t>TargetLocation</a:t>
+            </a:r>
+            <a:r>
+              <a:rPr lang="en-US" sz="1400" dirty="0"/>
+              <a:t> columns: countries of the origin and destination</a:t>
+            </a:r>
+          </a:p>
+          <a:p>
+            <a:pPr marL="514350" lvl="1" indent="0">
+              <a:buNone/>
+            </a:pPr>
+            <a:r>
+              <a:rPr lang="en-US" sz="1400" dirty="0"/>
+              <a:t>    </a:t>
+            </a:r>
+            <a:r>
+              <a:rPr lang="en-US" sz="1400" dirty="0">
+                <a:solidFill>
+                  <a:srgbClr val="FF0000"/>
+                </a:solidFill>
+              </a:rPr>
+              <a:t>More specific latitude and longitude values are also provided.</a:t>
+            </a:r>
+            <a:endParaRPr lang="en-US" sz="1400" dirty="0">
+              <a:solidFill>
+                <a:srgbClr val="FF0000"/>
+              </a:solidFill>
+              <a:effectLst/>
+            </a:endParaRPr>
+          </a:p>
+        </p:txBody>
+      </p:sp>
+      <p:sp>
+        <p:nvSpPr>
+          <p:cNvPr id="3" name="Title 2">
+            <a:extLst>
+              <a:ext uri="{FF2B5EF4-FFF2-40B4-BE49-F238E27FC236}">
+                <a16:creationId xmlns:a16="http://schemas.microsoft.com/office/drawing/2014/main" id="{49B76E8B-9221-C241-9827-9AB675BE70FA}"/>
+              </a:ext>
+            </a:extLst>
+          </p:cNvPr>
+          <p:cNvSpPr>
+            <a:spLocks noGrp="1"/>
+          </p:cNvSpPr>
+          <p:nvPr>
+            <p:ph type="title"/>
+          </p:nvPr>
+        </p:nvSpPr>
+        <p:spPr/>
+        <p:txBody>
+          <a:bodyPr/>
+          <a:lstStyle/>
+          <a:p>
+            <a:r>
+              <a:rPr lang="en-US" dirty="0"/>
+              <a:t>     Data Understanding</a:t>
+            </a:r>
+          </a:p>
+        </p:txBody>
+      </p:sp>
+      <p:sp>
+        <p:nvSpPr>
+          <p:cNvPr id="4" name="Slide Number Placeholder 3">
+            <a:extLst>
+              <a:ext uri="{FF2B5EF4-FFF2-40B4-BE49-F238E27FC236}">
+                <a16:creationId xmlns:a16="http://schemas.microsoft.com/office/drawing/2014/main" id="{7E27FF59-0D53-9F44-A029-218F95C21FC0}"/>
+              </a:ext>
+            </a:extLst>
+          </p:cNvPr>
+          <p:cNvSpPr>
+            <a:spLocks noGrp="1"/>
+          </p:cNvSpPr>
+          <p:nvPr>
+            <p:ph type="sldNum" idx="12"/>
+          </p:nvPr>
+        </p:nvSpPr>
+        <p:spPr/>
+        <p:txBody>
+          <a:bodyPr/>
+          <a:lstStyle/>
+          <a:p>
+            <a:pPr marL="0" lvl="0" indent="0" algn="r" rtl="0">
+              <a:spcBef>
+                <a:spcPts val="0"/>
+              </a:spcBef>
+              <a:spcAft>
+                <a:spcPts val="0"/>
+              </a:spcAft>
+              <a:buNone/>
+            </a:pPr>
+            <a:fld id="{00000000-1234-1234-1234-123412341234}" type="slidenum">
+              <a:rPr lang="en-US" smtClean="0"/>
+              <a:t>4</a:t>
+            </a:fld>
+            <a:endParaRPr lang="en-US"/>
+          </a:p>
+        </p:txBody>
+      </p:sp>
+    </p:spTree>
+    <p:extLst>
+      <p:ext uri="{BB962C8B-B14F-4D97-AF65-F5344CB8AC3E}">
+        <p14:creationId xmlns:p14="http://schemas.microsoft.com/office/powerpoint/2010/main" val="2094288240"/>
+      </p:ext>
+    </p:extLst>
+  </p:cSld>
+  <p:clrMapOvr>
+    <a:masterClrMapping/>
+  </p:clrMapOvr>
+</p:sld>
+</file>
+
+<file path=ppt/slides/slide5.xml><?xml version="1.0" encoding="utf-8"?>
+<p:sld xmlns:a="http://schemas.openxmlformats.org/drawingml/2006/main" xmlns:r="http://schemas.openxmlformats.org/officeDocument/2006/relationships" xmlns:p="http://schemas.openxmlformats.org/presentationml/2006/main">
+  <p:cSld>
+    <p:spTree>
+      <p:nvGrpSpPr>
+        <p:cNvPr id="1" name=""/>
+        <p:cNvGrpSpPr/>
+        <p:nvPr/>
+      </p:nvGrpSpPr>
+      <p:grpSpPr>
+        <a:xfrm>
+          <a:off x="0" y="0"/>
+          <a:ext cx="0" cy="0"/>
+          <a:chOff x="0" y="0"/>
+          <a:chExt cx="0" cy="0"/>
+        </a:xfrm>
+      </p:grpSpPr>
+      <p:sp>
+        <p:nvSpPr>
+          <p:cNvPr id="2" name="Text Placeholder 1">
+            <a:extLst>
+              <a:ext uri="{FF2B5EF4-FFF2-40B4-BE49-F238E27FC236}">
                 <a16:creationId xmlns:a16="http://schemas.microsoft.com/office/drawing/2014/main" id="{DFC01AF8-E4B9-8040-8937-77110DEF7DBD}"/>
               </a:ext>
             </a:extLst>
@@ -12199,7 +12545,7 @@
             </a:pPr>
             <a:fld id="{00000000-1234-1234-1234-123412341234}" type="slidenum">
               <a:rPr lang="en-US" smtClean="0"/>
-              <a:t>4</a:t>
+              <a:t>5</a:t>
             </a:fld>
             <a:endParaRPr lang="en-US"/>
           </a:p>
@@ -12244,352 +12590,6 @@
     <p:extLst>
       <p:ext uri="{BB962C8B-B14F-4D97-AF65-F5344CB8AC3E}">
         <p14:creationId xmlns:p14="http://schemas.microsoft.com/office/powerpoint/2010/main" val="1823223567"/>
-      </p:ext>
-    </p:extLst>
-  </p:cSld>
-  <p:clrMapOvr>
-    <a:masterClrMapping/>
-  </p:clrMapOvr>
-</p:sld>
-</file>
-
-<file path=ppt/slides/slide5.xml><?xml version="1.0" encoding="utf-8"?>
-<p:sld xmlns:a="http://schemas.openxmlformats.org/drawingml/2006/main" xmlns:r="http://schemas.openxmlformats.org/officeDocument/2006/relationships" xmlns:p="http://schemas.openxmlformats.org/presentationml/2006/main">
-  <p:cSld>
-    <p:spTree>
-      <p:nvGrpSpPr>
-        <p:cNvPr id="1" name=""/>
-        <p:cNvGrpSpPr/>
-        <p:nvPr/>
-      </p:nvGrpSpPr>
-      <p:grpSpPr>
-        <a:xfrm>
-          <a:off x="0" y="0"/>
-          <a:ext cx="0" cy="0"/>
-          <a:chOff x="0" y="0"/>
-          <a:chExt cx="0" cy="0"/>
-        </a:xfrm>
-      </p:grpSpPr>
-      <p:sp>
-        <p:nvSpPr>
-          <p:cNvPr id="2" name="Text Placeholder 1">
-            <a:extLst>
-              <a:ext uri="{FF2B5EF4-FFF2-40B4-BE49-F238E27FC236}">
-                <a16:creationId xmlns:a16="http://schemas.microsoft.com/office/drawing/2014/main" id="{46C6AB45-77D5-AB4E-8183-4C6EFDD152A4}"/>
-              </a:ext>
-            </a:extLst>
-          </p:cNvPr>
-          <p:cNvSpPr>
-            <a:spLocks noGrp="1"/>
-          </p:cNvSpPr>
-          <p:nvPr>
-            <p:ph type="body" idx="1"/>
-          </p:nvPr>
-        </p:nvSpPr>
-        <p:spPr>
-          <a:xfrm>
-            <a:off x="2" y="1432367"/>
-            <a:ext cx="8912503" cy="3644900"/>
-          </a:xfrm>
-        </p:spPr>
-        <p:txBody>
-          <a:bodyPr/>
-          <a:lstStyle/>
-          <a:p>
-            <a:pPr marL="514350" lvl="1" indent="0">
-              <a:buNone/>
-            </a:pPr>
-            <a:r>
-              <a:rPr lang="en-US" sz="1400" dirty="0"/>
-              <a:t>4. </a:t>
-            </a:r>
-            <a:r>
-              <a:rPr lang="en-US" sz="1400" b="1" dirty="0"/>
-              <a:t>Demographics channel </a:t>
-            </a:r>
-            <a:r>
-              <a:rPr lang="en-US" sz="1400" dirty="0"/>
-              <a:t>(</a:t>
-            </a:r>
-            <a:r>
-              <a:rPr lang="en-US" sz="1400" dirty="0" err="1"/>
-              <a:t>eType</a:t>
-            </a:r>
-            <a:r>
-              <a:rPr lang="en-US" sz="1400" dirty="0"/>
-              <a:t> 5): represent the spending characteristics of each person in up to 30 categories, which are listed in the file </a:t>
-            </a:r>
-            <a:r>
-              <a:rPr lang="en-US" sz="1400" dirty="0" err="1">
-                <a:solidFill>
-                  <a:srgbClr val="FF0000"/>
-                </a:solidFill>
-              </a:rPr>
-              <a:t>DemographicCategories.csv</a:t>
-            </a:r>
-            <a:endParaRPr lang="en-US" sz="1400" dirty="0">
-              <a:solidFill>
-                <a:srgbClr val="FF0000"/>
-              </a:solidFill>
-            </a:endParaRPr>
-          </a:p>
-          <a:p>
-            <a:pPr marL="57150" indent="0">
-              <a:buNone/>
-            </a:pPr>
-            <a:r>
-              <a:rPr lang="en-US" sz="1400" dirty="0"/>
-              <a:t>            Expenses: Source is person ID, Target column lists the money is spent in a category </a:t>
-            </a:r>
-          </a:p>
-          <a:p>
-            <a:pPr marL="514350" lvl="1" indent="0">
-              <a:buNone/>
-            </a:pPr>
-            <a:r>
-              <a:rPr lang="en-US" sz="1400" dirty="0"/>
-              <a:t>    Income: Source column lists the money is received in a category, Target is person ID</a:t>
-            </a:r>
-          </a:p>
-          <a:p>
-            <a:pPr marL="514350" lvl="1" indent="0">
-              <a:buNone/>
-            </a:pPr>
-            <a:r>
-              <a:rPr lang="en-US" sz="1400" dirty="0"/>
-              <a:t>    </a:t>
-            </a:r>
-            <a:r>
-              <a:rPr lang="en-US" sz="1400" dirty="0">
-                <a:solidFill>
-                  <a:srgbClr val="FF0000"/>
-                </a:solidFill>
-              </a:rPr>
-              <a:t>Time for all records in this channel is 31536000 -&gt; one year</a:t>
-            </a:r>
-          </a:p>
-          <a:p>
-            <a:pPr marL="57150" indent="0">
-              <a:buNone/>
-            </a:pPr>
-            <a:r>
-              <a:rPr lang="en-US" sz="1400" dirty="0"/>
-              <a:t>            The weight channel shows </a:t>
-            </a:r>
-            <a:r>
-              <a:rPr lang="en-US" sz="1400" dirty="0">
-                <a:solidFill>
-                  <a:srgbClr val="FF0000"/>
-                </a:solidFill>
-              </a:rPr>
-              <a:t>how much </a:t>
-            </a:r>
-            <a:r>
-              <a:rPr lang="en-US" sz="1400" dirty="0"/>
-              <a:t>is spent (or received) in a given category.</a:t>
-            </a:r>
-          </a:p>
-          <a:p>
-            <a:pPr marL="57150" indent="0">
-              <a:buNone/>
-            </a:pPr>
-            <a:r>
-              <a:rPr lang="en-US" sz="1400" dirty="0"/>
-              <a:t>            Demographic records do not have location information.</a:t>
-            </a:r>
-          </a:p>
-          <a:p>
-            <a:pPr marL="57150" indent="0">
-              <a:buNone/>
-            </a:pPr>
-            <a:endParaRPr lang="en-US" sz="1400" dirty="0"/>
-          </a:p>
-          <a:p>
-            <a:pPr marL="57150" indent="0">
-              <a:buNone/>
-            </a:pPr>
-            <a:endParaRPr lang="en-US" sz="1400" dirty="0"/>
-          </a:p>
-          <a:p>
-            <a:pPr marL="514350" lvl="1" indent="0">
-              <a:buNone/>
-            </a:pPr>
-            <a:r>
-              <a:rPr lang="en-US" sz="1400" dirty="0"/>
-              <a:t>5. </a:t>
-            </a:r>
-            <a:r>
-              <a:rPr lang="en-US" sz="1400" b="1" dirty="0"/>
-              <a:t>Travel channel </a:t>
-            </a:r>
-            <a:r>
-              <a:rPr lang="en-US" sz="1400" dirty="0"/>
-              <a:t>(</a:t>
-            </a:r>
-            <a:r>
-              <a:rPr lang="en-US" sz="1400" dirty="0" err="1"/>
-              <a:t>eType</a:t>
-            </a:r>
-            <a:r>
-              <a:rPr lang="en-US" sz="1400" dirty="0"/>
-              <a:t> 6): connects people (source column) with locations (target).</a:t>
-            </a:r>
-          </a:p>
-          <a:p>
-            <a:pPr marL="514350" lvl="1" indent="0">
-              <a:buNone/>
-            </a:pPr>
-            <a:r>
-              <a:rPr lang="en-US" sz="1400" dirty="0"/>
-              <a:t>    Time: the start of a trip.</a:t>
-            </a:r>
-          </a:p>
-          <a:p>
-            <a:pPr marL="514350" lvl="1" indent="0">
-              <a:buNone/>
-            </a:pPr>
-            <a:r>
-              <a:rPr lang="en-US" sz="1400" dirty="0"/>
-              <a:t>    </a:t>
-            </a:r>
-            <a:r>
-              <a:rPr lang="en-US" sz="1400" dirty="0">
-                <a:solidFill>
-                  <a:srgbClr val="FF0000"/>
-                </a:solidFill>
-              </a:rPr>
-              <a:t>Weight: length of the trip in days. ???Negative values???</a:t>
-            </a:r>
-          </a:p>
-          <a:p>
-            <a:pPr marL="514350" lvl="1" indent="0">
-              <a:buNone/>
-            </a:pPr>
-            <a:r>
-              <a:rPr lang="en-US" sz="1400" dirty="0"/>
-              <a:t>    All location columns should have data for each record.</a:t>
-            </a:r>
-          </a:p>
-          <a:p>
-            <a:pPr marL="514350" lvl="1" indent="0">
-              <a:buNone/>
-            </a:pPr>
-            <a:r>
-              <a:rPr lang="en-US" sz="1400" dirty="0"/>
-              <a:t>    The </a:t>
-            </a:r>
-            <a:r>
-              <a:rPr lang="en-US" sz="1400" dirty="0" err="1"/>
-              <a:t>SourceLocation</a:t>
-            </a:r>
-            <a:r>
-              <a:rPr lang="en-US" sz="1400" dirty="0"/>
-              <a:t> and </a:t>
-            </a:r>
-            <a:r>
-              <a:rPr lang="en-US" sz="1400" dirty="0" err="1"/>
-              <a:t>TargetLocation</a:t>
-            </a:r>
-            <a:r>
-              <a:rPr lang="en-US" sz="1400" dirty="0"/>
-              <a:t> columns: countries of the origin and destination</a:t>
-            </a:r>
-          </a:p>
-          <a:p>
-            <a:pPr marL="514350" lvl="1" indent="0">
-              <a:buNone/>
-            </a:pPr>
-            <a:r>
-              <a:rPr lang="en-US" sz="1400" dirty="0"/>
-              <a:t>    </a:t>
-            </a:r>
-            <a:r>
-              <a:rPr lang="en-US" sz="1400" dirty="0">
-                <a:solidFill>
-                  <a:srgbClr val="FF0000"/>
-                </a:solidFill>
-              </a:rPr>
-              <a:t>More specific latitude and longitude values are also provided.</a:t>
-            </a:r>
-            <a:endParaRPr lang="en-US" sz="1400" dirty="0">
-              <a:solidFill>
-                <a:srgbClr val="FF0000"/>
-              </a:solidFill>
-              <a:effectLst/>
-            </a:endParaRPr>
-          </a:p>
-        </p:txBody>
-      </p:sp>
-      <p:sp>
-        <p:nvSpPr>
-          <p:cNvPr id="3" name="Title 2">
-            <a:extLst>
-              <a:ext uri="{FF2B5EF4-FFF2-40B4-BE49-F238E27FC236}">
-                <a16:creationId xmlns:a16="http://schemas.microsoft.com/office/drawing/2014/main" id="{49B76E8B-9221-C241-9827-9AB675BE70FA}"/>
-              </a:ext>
-            </a:extLst>
-          </p:cNvPr>
-          <p:cNvSpPr>
-            <a:spLocks noGrp="1"/>
-          </p:cNvSpPr>
-          <p:nvPr>
-            <p:ph type="title"/>
-          </p:nvPr>
-        </p:nvSpPr>
-        <p:spPr/>
-        <p:txBody>
-          <a:bodyPr/>
-          <a:lstStyle/>
-          <a:p>
-            <a:r>
-              <a:rPr lang="en-US" dirty="0"/>
-              <a:t>     Data Understanding</a:t>
-            </a:r>
-          </a:p>
-        </p:txBody>
-      </p:sp>
-      <p:sp>
-        <p:nvSpPr>
-          <p:cNvPr id="4" name="Slide Number Placeholder 3">
-            <a:extLst>
-              <a:ext uri="{FF2B5EF4-FFF2-40B4-BE49-F238E27FC236}">
-                <a16:creationId xmlns:a16="http://schemas.microsoft.com/office/drawing/2014/main" id="{7E27FF59-0D53-9F44-A029-218F95C21FC0}"/>
-              </a:ext>
-            </a:extLst>
-          </p:cNvPr>
-          <p:cNvSpPr>
-            <a:spLocks noGrp="1"/>
-          </p:cNvSpPr>
-          <p:nvPr>
-            <p:ph type="sldNum" idx="12"/>
-          </p:nvPr>
-        </p:nvSpPr>
-        <p:spPr/>
-        <p:txBody>
-          <a:bodyPr/>
-          <a:lstStyle/>
-          <a:p>
-            <a:pPr marL="0" lvl="0" indent="0" algn="r" rtl="0">
-              <a:spcBef>
-                <a:spcPts val="0"/>
-              </a:spcBef>
-              <a:spcAft>
-                <a:spcPts val="0"/>
-              </a:spcAft>
-              <a:buNone/>
-            </a:pPr>
-            <a:fld id="{00000000-1234-1234-1234-123412341234}" type="slidenum">
-              <a:rPr lang="en-US" smtClean="0"/>
-              <a:t>5</a:t>
-            </a:fld>
-            <a:endParaRPr lang="en-US"/>
-          </a:p>
-        </p:txBody>
-      </p:sp>
-    </p:spTree>
-    <p:extLst>
-      <p:ext uri="{BB962C8B-B14F-4D97-AF65-F5344CB8AC3E}">
-        <p14:creationId xmlns:p14="http://schemas.microsoft.com/office/powerpoint/2010/main" val="2094288240"/>
       </p:ext>
     </p:extLst>
   </p:cSld>
